--- a/imgbogus/stimuli.pptx
+++ b/imgbogus/stimuli.pptx
@@ -264,7 +264,7 @@
           <a:p>
             <a:fld id="{F119E611-4EE8-4B6E-B27E-9892CF8E6983}" type="datetimeFigureOut">
               <a:rPr lang="fr-BE" smtClean="0"/>
-              <a:t>27-01-21</a:t>
+              <a:t>09-04-21</a:t>
             </a:fld>
             <a:endParaRPr lang="fr-BE"/>
           </a:p>
@@ -464,7 +464,7 @@
           <a:p>
             <a:fld id="{F119E611-4EE8-4B6E-B27E-9892CF8E6983}" type="datetimeFigureOut">
               <a:rPr lang="fr-BE" smtClean="0"/>
-              <a:t>27-01-21</a:t>
+              <a:t>09-04-21</a:t>
             </a:fld>
             <a:endParaRPr lang="fr-BE"/>
           </a:p>
@@ -674,7 +674,7 @@
           <a:p>
             <a:fld id="{F119E611-4EE8-4B6E-B27E-9892CF8E6983}" type="datetimeFigureOut">
               <a:rPr lang="fr-BE" smtClean="0"/>
-              <a:t>27-01-21</a:t>
+              <a:t>09-04-21</a:t>
             </a:fld>
             <a:endParaRPr lang="fr-BE"/>
           </a:p>
@@ -874,7 +874,7 @@
           <a:p>
             <a:fld id="{F119E611-4EE8-4B6E-B27E-9892CF8E6983}" type="datetimeFigureOut">
               <a:rPr lang="fr-BE" smtClean="0"/>
-              <a:t>27-01-21</a:t>
+              <a:t>09-04-21</a:t>
             </a:fld>
             <a:endParaRPr lang="fr-BE"/>
           </a:p>
@@ -1150,7 +1150,7 @@
           <a:p>
             <a:fld id="{F119E611-4EE8-4B6E-B27E-9892CF8E6983}" type="datetimeFigureOut">
               <a:rPr lang="fr-BE" smtClean="0"/>
-              <a:t>27-01-21</a:t>
+              <a:t>09-04-21</a:t>
             </a:fld>
             <a:endParaRPr lang="fr-BE"/>
           </a:p>
@@ -1418,7 +1418,7 @@
           <a:p>
             <a:fld id="{F119E611-4EE8-4B6E-B27E-9892CF8E6983}" type="datetimeFigureOut">
               <a:rPr lang="fr-BE" smtClean="0"/>
-              <a:t>27-01-21</a:t>
+              <a:t>09-04-21</a:t>
             </a:fld>
             <a:endParaRPr lang="fr-BE"/>
           </a:p>
@@ -1833,7 +1833,7 @@
           <a:p>
             <a:fld id="{F119E611-4EE8-4B6E-B27E-9892CF8E6983}" type="datetimeFigureOut">
               <a:rPr lang="fr-BE" smtClean="0"/>
-              <a:t>27-01-21</a:t>
+              <a:t>09-04-21</a:t>
             </a:fld>
             <a:endParaRPr lang="fr-BE"/>
           </a:p>
@@ -1975,7 +1975,7 @@
           <a:p>
             <a:fld id="{F119E611-4EE8-4B6E-B27E-9892CF8E6983}" type="datetimeFigureOut">
               <a:rPr lang="fr-BE" smtClean="0"/>
-              <a:t>27-01-21</a:t>
+              <a:t>09-04-21</a:t>
             </a:fld>
             <a:endParaRPr lang="fr-BE"/>
           </a:p>
@@ -2088,7 +2088,7 @@
           <a:p>
             <a:fld id="{F119E611-4EE8-4B6E-B27E-9892CF8E6983}" type="datetimeFigureOut">
               <a:rPr lang="fr-BE" smtClean="0"/>
-              <a:t>27-01-21</a:t>
+              <a:t>09-04-21</a:t>
             </a:fld>
             <a:endParaRPr lang="fr-BE"/>
           </a:p>
@@ -2401,7 +2401,7 @@
           <a:p>
             <a:fld id="{F119E611-4EE8-4B6E-B27E-9892CF8E6983}" type="datetimeFigureOut">
               <a:rPr lang="fr-BE" smtClean="0"/>
-              <a:t>27-01-21</a:t>
+              <a:t>09-04-21</a:t>
             </a:fld>
             <a:endParaRPr lang="fr-BE"/>
           </a:p>
@@ -2690,7 +2690,7 @@
           <a:p>
             <a:fld id="{F119E611-4EE8-4B6E-B27E-9892CF8E6983}" type="datetimeFigureOut">
               <a:rPr lang="fr-BE" smtClean="0"/>
-              <a:t>27-01-21</a:t>
+              <a:t>09-04-21</a:t>
             </a:fld>
             <a:endParaRPr lang="fr-BE"/>
           </a:p>
@@ -2933,7 +2933,7 @@
           <a:p>
             <a:fld id="{F119E611-4EE8-4B6E-B27E-9892CF8E6983}" type="datetimeFigureOut">
               <a:rPr lang="fr-BE" smtClean="0"/>
-              <a:t>27-01-21</a:t>
+              <a:t>09-04-21</a:t>
             </a:fld>
             <a:endParaRPr lang="fr-BE"/>
           </a:p>
@@ -14625,6 +14625,13 @@
                 </a:srgbClr>
               </a:clrTo>
             </a:clrChange>
+            <a:duotone>
+              <a:schemeClr val="accent3">
+                <a:shade val="45000"/>
+                <a:satMod val="135000"/>
+              </a:schemeClr>
+              <a:prstClr val="white"/>
+            </a:duotone>
             <a:extLst>
               <a:ext uri="{28A0092B-C50C-407E-A947-70E740481C1C}">
                 <a14:useLocalDpi xmlns:a14="http://schemas.microsoft.com/office/drawing/2010/main" val="0"/>
@@ -14671,6 +14678,13 @@
                 </a:srgbClr>
               </a:clrTo>
             </a:clrChange>
+            <a:duotone>
+              <a:schemeClr val="accent3">
+                <a:shade val="45000"/>
+                <a:satMod val="135000"/>
+              </a:schemeClr>
+              <a:prstClr val="white"/>
+            </a:duotone>
             <a:extLst>
               <a:ext uri="{28A0092B-C50C-407E-A947-70E740481C1C}">
                 <a14:useLocalDpi xmlns:a14="http://schemas.microsoft.com/office/drawing/2010/main" val="0"/>
@@ -14717,6 +14731,13 @@
                 </a:srgbClr>
               </a:clrTo>
             </a:clrChange>
+            <a:duotone>
+              <a:schemeClr val="accent3">
+                <a:shade val="45000"/>
+                <a:satMod val="135000"/>
+              </a:schemeClr>
+              <a:prstClr val="white"/>
+            </a:duotone>
             <a:extLst>
               <a:ext uri="{28A0092B-C50C-407E-A947-70E740481C1C}">
                 <a14:useLocalDpi xmlns:a14="http://schemas.microsoft.com/office/drawing/2010/main" val="0"/>
@@ -14730,6 +14751,192 @@
         <p:spPr>
           <a:xfrm>
             <a:off x="492130" y="323364"/>
+            <a:ext cx="2420320" cy="2420320"/>
+          </a:xfrm>
+          <a:prstGeom prst="rect">
+            <a:avLst/>
+          </a:prstGeom>
+        </p:spPr>
+      </p:pic>
+      <p:pic>
+        <p:nvPicPr>
+          <p:cNvPr id="7" name="Picture 6" descr="Icon&#10;&#10;Description automatically generated">
+            <a:extLst>
+              <a:ext uri="{FF2B5EF4-FFF2-40B4-BE49-F238E27FC236}">
+                <a16:creationId xmlns:a16="http://schemas.microsoft.com/office/drawing/2014/main" id="{0D0AAD39-4015-45CA-AE03-81B9C8BF92CE}"/>
+              </a:ext>
+            </a:extLst>
+          </p:cNvPr>
+          <p:cNvPicPr>
+            <a:picLocks noChangeAspect="1"/>
+          </p:cNvPicPr>
+          <p:nvPr/>
+        </p:nvPicPr>
+        <p:blipFill>
+          <a:blip r:embed="rId6">
+            <a:clrChange>
+              <a:clrFrom>
+                <a:srgbClr val="FFFFFF"/>
+              </a:clrFrom>
+              <a:clrTo>
+                <a:srgbClr val="FFFFFF">
+                  <a:alpha val="0"/>
+                </a:srgbClr>
+              </a:clrTo>
+            </a:clrChange>
+            <a:duotone>
+              <a:schemeClr val="accent3">
+                <a:shade val="45000"/>
+                <a:satMod val="135000"/>
+              </a:schemeClr>
+              <a:prstClr val="white"/>
+            </a:duotone>
+            <a:extLst>
+              <a:ext uri="{BEBA8EAE-BF5A-486C-A8C5-ECC9F3942E4B}">
+                <a14:imgProps xmlns:a14="http://schemas.microsoft.com/office/drawing/2010/main">
+                  <a14:imgLayer r:embed="rId7">
+                    <a14:imgEffect>
+                      <a14:artisticBlur radius="8"/>
+                    </a14:imgEffect>
+                  </a14:imgLayer>
+                </a14:imgProps>
+              </a:ext>
+              <a:ext uri="{28A0092B-C50C-407E-A947-70E740481C1C}">
+                <a14:useLocalDpi xmlns:a14="http://schemas.microsoft.com/office/drawing/2010/main" val="0"/>
+              </a:ext>
+            </a:extLst>
+          </a:blip>
+          <a:stretch>
+            <a:fillRect/>
+          </a:stretch>
+        </p:blipFill>
+        <p:spPr>
+          <a:xfrm>
+            <a:off x="7291823" y="3986455"/>
+            <a:ext cx="2420321" cy="2420321"/>
+          </a:xfrm>
+          <a:prstGeom prst="rect">
+            <a:avLst/>
+          </a:prstGeom>
+        </p:spPr>
+      </p:pic>
+      <p:pic>
+        <p:nvPicPr>
+          <p:cNvPr id="9" name="Picture 8" descr="Icon&#10;&#10;Description automatically generated">
+            <a:extLst>
+              <a:ext uri="{FF2B5EF4-FFF2-40B4-BE49-F238E27FC236}">
+                <a16:creationId xmlns:a16="http://schemas.microsoft.com/office/drawing/2014/main" id="{22505C9C-CB36-43E0-9BD8-ABCEF76A4322}"/>
+              </a:ext>
+            </a:extLst>
+          </p:cNvPr>
+          <p:cNvPicPr>
+            <a:picLocks noChangeAspect="1"/>
+          </p:cNvPicPr>
+          <p:nvPr/>
+        </p:nvPicPr>
+        <p:blipFill>
+          <a:blip r:embed="rId8">
+            <a:clrChange>
+              <a:clrFrom>
+                <a:srgbClr val="FFFFFF"/>
+              </a:clrFrom>
+              <a:clrTo>
+                <a:srgbClr val="FFFFFF">
+                  <a:alpha val="0"/>
+                </a:srgbClr>
+              </a:clrTo>
+            </a:clrChange>
+            <a:duotone>
+              <a:schemeClr val="accent3">
+                <a:shade val="45000"/>
+                <a:satMod val="135000"/>
+              </a:schemeClr>
+              <a:prstClr val="white"/>
+            </a:duotone>
+            <a:extLst>
+              <a:ext uri="{BEBA8EAE-BF5A-486C-A8C5-ECC9F3942E4B}">
+                <a14:imgProps xmlns:a14="http://schemas.microsoft.com/office/drawing/2010/main">
+                  <a14:imgLayer r:embed="rId9">
+                    <a14:imgEffect>
+                      <a14:artisticBlur radius="8"/>
+                    </a14:imgEffect>
+                  </a14:imgLayer>
+                </a14:imgProps>
+              </a:ext>
+              <a:ext uri="{28A0092B-C50C-407E-A947-70E740481C1C}">
+                <a14:useLocalDpi xmlns:a14="http://schemas.microsoft.com/office/drawing/2010/main" val="0"/>
+              </a:ext>
+            </a:extLst>
+          </a:blip>
+          <a:stretch>
+            <a:fillRect/>
+          </a:stretch>
+        </p:blipFill>
+        <p:spPr>
+          <a:xfrm>
+            <a:off x="2686302" y="3333749"/>
+            <a:ext cx="2420321" cy="2420321"/>
+          </a:xfrm>
+          <a:prstGeom prst="rect">
+            <a:avLst/>
+          </a:prstGeom>
+        </p:spPr>
+      </p:pic>
+      <p:pic>
+        <p:nvPicPr>
+          <p:cNvPr id="10" name="Picture 9" descr="Icon&#10;&#10;Description automatically generated">
+            <a:extLst>
+              <a:ext uri="{FF2B5EF4-FFF2-40B4-BE49-F238E27FC236}">
+                <a16:creationId xmlns:a16="http://schemas.microsoft.com/office/drawing/2014/main" id="{1F813C15-5B5D-474F-85B3-2955B87907EC}"/>
+              </a:ext>
+            </a:extLst>
+          </p:cNvPr>
+          <p:cNvPicPr>
+            <a:picLocks noChangeAspect="1"/>
+          </p:cNvPicPr>
+          <p:nvPr/>
+        </p:nvPicPr>
+        <p:blipFill>
+          <a:blip r:embed="rId10">
+            <a:clrChange>
+              <a:clrFrom>
+                <a:srgbClr val="FFFFFF"/>
+              </a:clrFrom>
+              <a:clrTo>
+                <a:srgbClr val="FFFFFF">
+                  <a:alpha val="0"/>
+                </a:srgbClr>
+              </a:clrTo>
+            </a:clrChange>
+            <a:duotone>
+              <a:schemeClr val="accent3">
+                <a:shade val="45000"/>
+                <a:satMod val="135000"/>
+              </a:schemeClr>
+              <a:prstClr val="white"/>
+            </a:duotone>
+            <a:extLst>
+              <a:ext uri="{BEBA8EAE-BF5A-486C-A8C5-ECC9F3942E4B}">
+                <a14:imgProps xmlns:a14="http://schemas.microsoft.com/office/drawing/2010/main">
+                  <a14:imgLayer r:embed="rId11">
+                    <a14:imgEffect>
+                      <a14:artisticBlur radius="8"/>
+                    </a14:imgEffect>
+                  </a14:imgLayer>
+                </a14:imgProps>
+              </a:ext>
+              <a:ext uri="{28A0092B-C50C-407E-A947-70E740481C1C}">
+                <a14:useLocalDpi xmlns:a14="http://schemas.microsoft.com/office/drawing/2010/main" val="0"/>
+              </a:ext>
+            </a:extLst>
+          </a:blip>
+          <a:stretch>
+            <a:fillRect/>
+          </a:stretch>
+        </p:blipFill>
+        <p:spPr>
+          <a:xfrm>
+            <a:off x="2242421" y="399564"/>
             <a:ext cx="2420320" cy="2420320"/>
           </a:xfrm>
           <a:prstGeom prst="rect">
